--- a/Documentos/grupo2.pptx
+++ b/Documentos/grupo2.pptx
@@ -281,7 +281,7 @@
           <a:p>
             <a:fld id="{24CE221E-83ED-4F6C-BA5F-3F9E6FDB6953}" type="datetimeFigureOut">
               <a:rPr lang="en-US"/>
-              <a:t>4/8/2016</a:t>
+              <a:t>6/23/2016</a:t>
             </a:fld>
             <a:endParaRPr/>
           </a:p>
@@ -446,7 +446,7 @@
           <a:p>
             <a:fld id="{97853E5F-CE67-483C-A264-F17AC70E9CA2}" type="datetimeFigureOut">
               <a:rPr lang="en-US"/>
-              <a:t>4/8/2016</a:t>
+              <a:t>6/23/2016</a:t>
             </a:fld>
             <a:endParaRPr/>
           </a:p>
@@ -920,7 +920,7 @@
           <a:p>
             <a:fld id="{3E0FA9E5-6744-4841-888F-9E7CC0C2B7EC}" type="datetimeFigureOut">
               <a:rPr lang="en-US"/>
-              <a:t>4/8/2016</a:t>
+              <a:t>6/23/2016</a:t>
             </a:fld>
             <a:endParaRPr/>
           </a:p>
@@ -1109,7 +1109,7 @@
           <a:p>
             <a:fld id="{3E0FA9E5-6744-4841-888F-9E7CC0C2B7EC}" type="datetimeFigureOut">
               <a:rPr lang="en-US"/>
-              <a:t>4/8/2016</a:t>
+              <a:t>6/23/2016</a:t>
             </a:fld>
             <a:endParaRPr/>
           </a:p>
@@ -1308,7 +1308,7 @@
           <a:p>
             <a:fld id="{3E0FA9E5-6744-4841-888F-9E7CC0C2B7EC}" type="datetimeFigureOut">
               <a:rPr lang="en-US"/>
-              <a:t>4/8/2016</a:t>
+              <a:t>6/23/2016</a:t>
             </a:fld>
             <a:endParaRPr/>
           </a:p>
@@ -1497,7 +1497,7 @@
           <a:p>
             <a:fld id="{3E0FA9E5-6744-4841-888F-9E7CC0C2B7EC}" type="datetimeFigureOut">
               <a:rPr lang="en-US"/>
-              <a:t>4/8/2016</a:t>
+              <a:t>6/23/2016</a:t>
             </a:fld>
             <a:endParaRPr/>
           </a:p>
@@ -1784,7 +1784,7 @@
           <a:p>
             <a:fld id="{3E0FA9E5-6744-4841-888F-9E7CC0C2B7EC}" type="datetimeFigureOut">
               <a:rPr lang="en-US"/>
-              <a:t>4/8/2016</a:t>
+              <a:t>6/23/2016</a:t>
             </a:fld>
             <a:endParaRPr/>
           </a:p>
@@ -2095,7 +2095,7 @@
           <a:p>
             <a:fld id="{3E0FA9E5-6744-4841-888F-9E7CC0C2B7EC}" type="datetimeFigureOut">
               <a:rPr lang="en-US"/>
-              <a:t>4/8/2016</a:t>
+              <a:t>6/23/2016</a:t>
             </a:fld>
             <a:endParaRPr/>
           </a:p>
@@ -2555,7 +2555,7 @@
           <a:p>
             <a:fld id="{3E0FA9E5-6744-4841-888F-9E7CC0C2B7EC}" type="datetimeFigureOut">
               <a:rPr lang="en-US"/>
-              <a:t>4/8/2016</a:t>
+              <a:t>6/23/2016</a:t>
             </a:fld>
             <a:endParaRPr/>
           </a:p>
@@ -2692,7 +2692,7 @@
           <a:p>
             <a:fld id="{3E0FA9E5-6744-4841-888F-9E7CC0C2B7EC}" type="datetimeFigureOut">
               <a:rPr lang="en-US"/>
-              <a:t>4/8/2016</a:t>
+              <a:t>6/23/2016</a:t>
             </a:fld>
             <a:endParaRPr/>
           </a:p>
@@ -2820,7 +2820,7 @@
           <a:p>
             <a:fld id="{3E0FA9E5-6744-4841-888F-9E7CC0C2B7EC}" type="datetimeFigureOut">
               <a:rPr lang="en-US"/>
-              <a:t>4/8/2016</a:t>
+              <a:t>6/23/2016</a:t>
             </a:fld>
             <a:endParaRPr/>
           </a:p>
@@ -3149,7 +3149,7 @@
           <a:p>
             <a:fld id="{3E0FA9E5-6744-4841-888F-9E7CC0C2B7EC}" type="datetimeFigureOut">
               <a:rPr lang="en-US"/>
-              <a:t>4/8/2016</a:t>
+              <a:t>6/23/2016</a:t>
             </a:fld>
             <a:endParaRPr/>
           </a:p>
@@ -3638,7 +3638,7 @@
             <a:fld id="{3E0FA9E5-6744-4841-888F-9E7CC0C2B7EC}" type="datetimeFigureOut">
               <a:rPr lang="en-US"/>
               <a:pPr/>
-              <a:t>4/8/2016</a:t>
+              <a:t>6/23/2016</a:t>
             </a:fld>
             <a:endParaRPr/>
           </a:p>
@@ -4765,28 +4765,8 @@
               <a:buChar char="ü"/>
             </a:pPr>
             <a:r>
-              <a:rPr lang="es-PY" sz="3200" dirty="0" smtClean="0"/>
-              <a:t>Gestor de Versiones: </a:t>
-            </a:r>
-            <a:r>
-              <a:rPr lang="es-PY" sz="3200" dirty="0" err="1" smtClean="0"/>
-              <a:t>GitHub</a:t>
-            </a:r>
-            <a:r>
-              <a:rPr lang="es-PY" sz="3200" dirty="0" smtClean="0"/>
-              <a:t>, </a:t>
-            </a:r>
-            <a:r>
-              <a:rPr lang="es-PY" sz="3200" dirty="0" err="1"/>
-              <a:t>S</a:t>
-            </a:r>
-            <a:r>
-              <a:rPr lang="es-PY" sz="3200" dirty="0" err="1" smtClean="0"/>
-              <a:t>martGit</a:t>
-            </a:r>
-            <a:r>
-              <a:rPr lang="es-PY" sz="3200" dirty="0" smtClean="0"/>
-              <a:t>.</a:t>
+              <a:rPr lang="es-PY" sz="3200" dirty="0"/>
+              <a:t>Lenguaje de Programación: Ruby</a:t>
             </a:r>
           </a:p>
           <a:p>
@@ -4795,9 +4775,26 @@
               <a:buChar char="ü"/>
             </a:pPr>
             <a:r>
+              <a:rPr lang="es-PY" sz="3200" dirty="0"/>
+              <a:t>Framework: Ruby </a:t>
+            </a:r>
+            <a:r>
+              <a:rPr lang="es-PY" sz="3200" dirty="0" err="1"/>
+              <a:t>on</a:t>
+            </a:r>
+            <a:r>
+              <a:rPr lang="es-PY" sz="3200" dirty="0"/>
+              <a:t> </a:t>
+            </a:r>
+            <a:r>
+              <a:rPr lang="es-PY" sz="3200" dirty="0" err="1"/>
+              <a:t>Rails</a:t>
+            </a:r>
+            <a:r>
               <a:rPr lang="es-PY" sz="3200" dirty="0" smtClean="0"/>
-              <a:t>Lenguaje de Programación: Ruby</a:t>
-            </a:r>
+              <a:t>.</a:t>
+            </a:r>
+            <a:endParaRPr lang="es-PY" sz="3200" dirty="0" smtClean="0"/>
           </a:p>
           <a:p>
             <a:pPr>
@@ -4806,27 +4803,27 @@
             </a:pPr>
             <a:r>
               <a:rPr lang="es-PY" sz="3200" dirty="0" smtClean="0"/>
-              <a:t>Framework: </a:t>
+              <a:t>Gestor </a:t>
+            </a:r>
+            <a:r>
+              <a:rPr lang="es-PY" sz="3200" dirty="0" smtClean="0"/>
+              <a:t>de Versiones: </a:t>
             </a:r>
             <a:r>
               <a:rPr lang="es-PY" sz="3200" dirty="0" err="1" smtClean="0"/>
-              <a:t>Boostrap</a:t>
+              <a:t>GitHub</a:t>
             </a:r>
             <a:r>
               <a:rPr lang="es-PY" sz="3200" dirty="0" smtClean="0"/>
-              <a:t>, Ruby </a:t>
+              <a:t>, </a:t>
+            </a:r>
+            <a:r>
+              <a:rPr lang="es-PY" sz="3200" dirty="0" err="1"/>
+              <a:t>S</a:t>
             </a:r>
             <a:r>
               <a:rPr lang="es-PY" sz="3200" dirty="0" err="1" smtClean="0"/>
-              <a:t>on</a:t>
-            </a:r>
-            <a:r>
-              <a:rPr lang="es-PY" sz="3200" dirty="0" smtClean="0"/>
-              <a:t> </a:t>
-            </a:r>
-            <a:r>
-              <a:rPr lang="es-PY" sz="3200" dirty="0" err="1" smtClean="0"/>
-              <a:t>Rails</a:t>
+              <a:t>martGit</a:t>
             </a:r>
             <a:r>
               <a:rPr lang="es-PY" sz="3200" dirty="0" smtClean="0"/>
@@ -4840,11 +4837,15 @@
             </a:pPr>
             <a:r>
               <a:rPr lang="es-PY" sz="3200" dirty="0" smtClean="0"/>
-              <a:t>Motor de Base de Datos: </a:t>
+              <a:t>Gestor de incidencias: </a:t>
             </a:r>
             <a:r>
               <a:rPr lang="es-PY" sz="3200" dirty="0" err="1" smtClean="0"/>
-              <a:t>Mysql</a:t>
+              <a:t>Trello</a:t>
+            </a:r>
+            <a:r>
+              <a:rPr lang="es-PY" sz="3200" dirty="0" smtClean="0"/>
+              <a:t>.</a:t>
             </a:r>
             <a:endParaRPr lang="es-PY" sz="3200" dirty="0" smtClean="0"/>
           </a:p>
@@ -4855,8 +4856,21 @@
             </a:pPr>
             <a:r>
               <a:rPr lang="es-PY" sz="3200" dirty="0" smtClean="0"/>
-              <a:t>Gestor de Incidencias: Mantis</a:t>
-            </a:r>
+              <a:t>Motor </a:t>
+            </a:r>
+            <a:r>
+              <a:rPr lang="es-PY" sz="3200" dirty="0" smtClean="0"/>
+              <a:t>de Base de Datos: </a:t>
+            </a:r>
+            <a:r>
+              <a:rPr lang="es-PY" sz="3200" dirty="0" err="1" smtClean="0"/>
+              <a:t>Mysql</a:t>
+            </a:r>
+            <a:r>
+              <a:rPr lang="es-PY" sz="3200" dirty="0" smtClean="0"/>
+              <a:t>.</a:t>
+            </a:r>
+            <a:endParaRPr lang="es-PY" sz="3200" dirty="0" smtClean="0"/>
           </a:p>
           <a:p>
             <a:pPr>
@@ -4865,11 +4879,19 @@
             </a:pPr>
             <a:r>
               <a:rPr lang="es-PY" sz="3200" dirty="0" smtClean="0"/>
-              <a:t>Editor: </a:t>
+              <a:t>Editor</a:t>
+            </a:r>
+            <a:r>
+              <a:rPr lang="es-PY" sz="3200" dirty="0" smtClean="0"/>
+              <a:t>: </a:t>
             </a:r>
             <a:r>
               <a:rPr lang="es-PY" sz="3200" dirty="0" err="1" smtClean="0"/>
               <a:t>SublimeText</a:t>
+            </a:r>
+            <a:r>
+              <a:rPr lang="es-PY" sz="3200" dirty="0" smtClean="0"/>
+              <a:t>.</a:t>
             </a:r>
             <a:endParaRPr lang="es-PY" sz="3200" dirty="0" smtClean="0"/>
           </a:p>
@@ -4988,7 +5010,7 @@
       </p:sp>
       <p:pic>
         <p:nvPicPr>
-          <p:cNvPr id="3" name="Imagen 2"/>
+          <p:cNvPr id="4" name="Imagen 3"/>
           <p:cNvPicPr>
             <a:picLocks noChangeAspect="1"/>
           </p:cNvPicPr>
@@ -5008,12 +5030,25 @@
         </p:blipFill>
         <p:spPr>
           <a:xfrm>
-            <a:off x="1197868" y="1772816"/>
-            <a:ext cx="9001001" cy="4874121"/>
+            <a:off x="2349996" y="1844824"/>
+            <a:ext cx="7128792" cy="4752716"/>
           </a:xfrm>
-          <a:prstGeom prst="rect">
-            <a:avLst/>
+          <a:prstGeom prst="roundRect">
+            <a:avLst>
+              <a:gd name="adj" fmla="val 8594"/>
+            </a:avLst>
           </a:prstGeom>
+          <a:solidFill>
+            <a:srgbClr val="FFFFFF">
+              <a:shade val="85000"/>
+            </a:srgbClr>
+          </a:solidFill>
+          <a:ln>
+            <a:noFill/>
+          </a:ln>
+          <a:effectLst>
+            <a:reflection blurRad="12700" stA="38000" endPos="28000" dist="5000" dir="5400000" sy="-100000" algn="bl" rotWithShape="0"/>
+          </a:effectLst>
         </p:spPr>
       </p:pic>
     </p:spTree>
@@ -5168,7 +5203,7 @@
         </p:nvSpPr>
         <p:spPr>
           <a:xfrm>
-            <a:off x="770747" y="548680"/>
+            <a:off x="770747" y="44624"/>
             <a:ext cx="8686801" cy="1066800"/>
           </a:xfrm>
         </p:spPr>
@@ -5218,59 +5253,59 @@
         </p:nvSpPr>
         <p:spPr>
           <a:xfrm>
-            <a:off x="765820" y="1828800"/>
+            <a:off x="765820" y="1124744"/>
             <a:ext cx="8986193" cy="4408512"/>
           </a:xfrm>
         </p:spPr>
         <p:txBody>
           <a:bodyPr>
-            <a:normAutofit/>
+            <a:noAutofit/>
           </a:bodyPr>
           <a:lstStyle/>
           <a:p>
-            <a:pPr marL="45720" indent="0">
-              <a:buNone/>
+            <a:pPr>
+              <a:buFont typeface="Wingdings" panose="05000000000000000000" pitchFamily="2" charset="2"/>
+              <a:buChar char="ü"/>
             </a:pPr>
             <a:r>
-              <a:rPr lang="es-ES" sz="2400" dirty="0"/>
-              <a:t>Es una metodología cuyo fin es entregar un producto de software. Se estructura todos los procesos y se mide la eficiencia de la organización.</a:t>
+              <a:rPr lang="es-ES" sz="3200" dirty="0" smtClean="0"/>
+              <a:t>Es </a:t>
+            </a:r>
+            <a:r>
+              <a:rPr lang="es-ES" sz="3200" dirty="0"/>
+              <a:t>una metodología cuyo fin es entregar un producto de software. Se estructura todos los procesos y se mide la eficiencia de la organización.</a:t>
             </a:r>
             <a:br>
-              <a:rPr lang="es-ES" sz="2400" dirty="0"/>
+              <a:rPr lang="es-ES" sz="3200" dirty="0"/>
             </a:br>
-            <a:r>
-              <a:rPr lang="es-ES" sz="2400" dirty="0"/>
-              <a:t>Es un proceso de desarrollo de </a:t>
-            </a:r>
-            <a:r>
-              <a:rPr lang="es-ES" sz="2400" dirty="0" smtClean="0"/>
+            <a:endParaRPr lang="es-ES" sz="3200" dirty="0" smtClean="0"/>
+          </a:p>
+          <a:p>
+            <a:pPr>
+              <a:buFont typeface="Wingdings" panose="05000000000000000000" pitchFamily="2" charset="2"/>
+              <a:buChar char="ü"/>
+            </a:pPr>
+            <a:r>
+              <a:rPr lang="es-ES" sz="3200" dirty="0" smtClean="0"/>
+              <a:t>Es </a:t>
+            </a:r>
+            <a:r>
+              <a:rPr lang="es-ES" sz="3200" dirty="0"/>
+              <a:t>un proceso de desarrollo de </a:t>
+            </a:r>
+            <a:r>
+              <a:rPr lang="es-ES" sz="3200" dirty="0" smtClean="0"/>
               <a:t>software </a:t>
             </a:r>
             <a:r>
-              <a:rPr lang="es-ES" sz="2400" dirty="0"/>
-              <a:t>el cual utiliza el lenguaje unificado de modelado UML, constituye la metodología estándar más utilizada para el análisis, implementación y documentación de sistemas orientados a objetos.</a:t>
-            </a:r>
-            <a:br>
-              <a:rPr lang="es-ES" sz="2400" dirty="0"/>
-            </a:br>
-            <a:r>
-              <a:rPr lang="es-ES" sz="2400" dirty="0"/>
-              <a:t>El RUP es un conjunto de metodologías adaptables al contexto y necesidades de cada organización.</a:t>
-            </a:r>
-            <a:br>
-              <a:rPr lang="es-ES" sz="2400" dirty="0"/>
-            </a:br>
-            <a:r>
-              <a:rPr lang="es-ES" sz="2400" dirty="0"/>
-              <a:t>Describe como aplicar enfoques para el desarrollo del software, llevando a cabo unos pasos para su realización.</a:t>
-            </a:r>
-            <a:br>
-              <a:rPr lang="es-ES" sz="2400" dirty="0"/>
-            </a:br>
-            <a:r>
-              <a:rPr lang="es-ES" sz="2400" dirty="0"/>
-              <a:t>Se centra en la producción y mantenimiento de modelos del sistema.</a:t>
-            </a:r>
+              <a:rPr lang="es-ES" sz="3200" dirty="0"/>
+              <a:t>el cual utiliza el lenguaje unificado de modelado UML, constituye la metodología estándar más utilizada para el análisis, implementación y documentación de sistemas orientados a objetos</a:t>
+            </a:r>
+            <a:r>
+              <a:rPr lang="es-ES" sz="3200" dirty="0" smtClean="0"/>
+              <a:t>.</a:t>
+            </a:r>
+            <a:endParaRPr lang="es-ES" sz="3200" dirty="0"/>
           </a:p>
         </p:txBody>
       </p:sp>
